--- a/上海比户员工试用期转正PPT模版.pptx
+++ b/上海比户员工试用期转正PPT模版.pptx
@@ -210,7 +210,7 @@
           <a:p>
             <a:fld id="{D2A48B96-639E-45A3-A0BA-2464DFDB1FAA}" type="datetimeFigureOut">
               <a:rPr lang="zh-CN" altLang="en-US" smtClean="0"/>
-              <a:t>2020/10/9</a:t>
+              <a:t>2021/1/19</a:t>
             </a:fld>
             <a:endParaRPr lang="zh-CN" altLang="en-US"/>
           </a:p>
@@ -612,7 +612,7 @@
           <a:p>
             <a:fld id="{D997B5FA-0921-464F-AAE1-844C04324D75}" type="datetimeFigureOut">
               <a:rPr lang="zh-CN" altLang="en-US" smtClean="0"/>
-              <a:t>2020/10/9</a:t>
+              <a:t>2021/1/19</a:t>
             </a:fld>
             <a:endParaRPr lang="zh-CN" altLang="en-US"/>
           </a:p>
@@ -1104,7 +1104,7 @@
           <a:p>
             <a:fld id="{D997B5FA-0921-464F-AAE1-844C04324D75}" type="datetimeFigureOut">
               <a:rPr lang="zh-CN" altLang="en-US" smtClean="0"/>
-              <a:t>2020/10/9</a:t>
+              <a:t>2021/1/19</a:t>
             </a:fld>
             <a:endParaRPr lang="zh-CN" altLang="en-US"/>
           </a:p>
@@ -1632,7 +1632,7 @@
           <a:p>
             <a:fld id="{D997B5FA-0921-464F-AAE1-844C04324D75}" type="datetimeFigureOut">
               <a:rPr lang="zh-CN" altLang="en-US" smtClean="0"/>
-              <a:t>2020/10/9</a:t>
+              <a:t>2021/1/19</a:t>
             </a:fld>
             <a:endParaRPr lang="zh-CN" altLang="en-US"/>
           </a:p>
@@ -2111,7 +2111,7 @@
                   </a:schemeClr>
                 </a:solidFill>
               </a:rPr>
-              <a:t>**部门   ***</a:t>
+              <a:t>信息中心部门   洪亮</a:t>
             </a:r>
             <a:r>
               <a:rPr lang="en-US" altLang="zh-CN" sz="2800" dirty="0">
@@ -2127,6 +2127,17 @@
           </a:p>
           <a:p>
             <a:r>
+              <a:rPr lang="en-US" altLang="zh-CN" sz="2800" dirty="0">
+                <a:solidFill>
+                  <a:schemeClr val="tx1">
+                    <a:lumMod val="50000"/>
+                    <a:lumOff val="50000"/>
+                  </a:schemeClr>
+                </a:solidFill>
+              </a:rPr>
+              <a:t>2021</a:t>
+            </a:r>
+            <a:r>
               <a:rPr lang="zh-CN" altLang="en-US" sz="2800" dirty="0">
                 <a:solidFill>
                   <a:schemeClr val="tx1">
@@ -2135,7 +2146,51 @@
                   </a:schemeClr>
                 </a:solidFill>
               </a:rPr>
-              <a:t>****年*月*日</a:t>
+              <a:t>年</a:t>
+            </a:r>
+            <a:r>
+              <a:rPr lang="en-US" altLang="zh-CN" sz="2800" dirty="0">
+                <a:solidFill>
+                  <a:schemeClr val="tx1">
+                    <a:lumMod val="50000"/>
+                    <a:lumOff val="50000"/>
+                  </a:schemeClr>
+                </a:solidFill>
+              </a:rPr>
+              <a:t>1</a:t>
+            </a:r>
+            <a:r>
+              <a:rPr lang="zh-CN" altLang="en-US" sz="2800" dirty="0">
+                <a:solidFill>
+                  <a:schemeClr val="tx1">
+                    <a:lumMod val="50000"/>
+                    <a:lumOff val="50000"/>
+                  </a:schemeClr>
+                </a:solidFill>
+              </a:rPr>
+              <a:t>月</a:t>
+            </a:r>
+            <a:r>
+              <a:rPr lang="en-US" altLang="zh-CN" sz="2800" dirty="0">
+                <a:solidFill>
+                  <a:schemeClr val="tx1">
+                    <a:lumMod val="50000"/>
+                    <a:lumOff val="50000"/>
+                  </a:schemeClr>
+                </a:solidFill>
+              </a:rPr>
+              <a:t>20</a:t>
+            </a:r>
+            <a:r>
+              <a:rPr lang="zh-CN" altLang="en-US" sz="2800" dirty="0">
+                <a:solidFill>
+                  <a:schemeClr val="tx1">
+                    <a:lumMod val="50000"/>
+                    <a:lumOff val="50000"/>
+                  </a:schemeClr>
+                </a:solidFill>
+              </a:rPr>
+              <a:t>日</a:t>
             </a:r>
             <a:endParaRPr lang="en-US" altLang="zh-CN" sz="2800" dirty="0">
               <a:solidFill>
@@ -2683,6 +2738,53 @@
           </a:p>
         </p:txBody>
       </p:sp>
+      <p:sp>
+        <p:nvSpPr>
+          <p:cNvPr id="5" name="文本框 4">
+            <a:extLst>
+              <a:ext uri="{FF2B5EF4-FFF2-40B4-BE49-F238E27FC236}">
+                <a16:creationId xmlns:a16="http://schemas.microsoft.com/office/drawing/2014/main" id="{3C8B6793-FA54-461C-9361-439D13E6A43F}"/>
+              </a:ext>
+            </a:extLst>
+          </p:cNvPr>
+          <p:cNvSpPr txBox="1"/>
+          <p:nvPr/>
+        </p:nvSpPr>
+        <p:spPr>
+          <a:xfrm>
+            <a:off x="721453" y="1665253"/>
+            <a:ext cx="10454547" cy="923330"/>
+          </a:xfrm>
+          <a:prstGeom prst="rect">
+            <a:avLst/>
+          </a:prstGeom>
+          <a:noFill/>
+        </p:spPr>
+        <p:txBody>
+          <a:bodyPr wrap="square" rtlCol="0">
+            <a:spAutoFit/>
+          </a:bodyPr>
+          <a:lstStyle/>
+          <a:p>
+            <a:r>
+              <a:rPr lang="zh-CN" altLang="en-US" dirty="0"/>
+              <a:t>守护人们的生活健康：现代生活节奏快，人们忽视了对健康的管理，公司愿景非常贴地气，努力解决这一痛点。明德力行，利己达人要求我们</a:t>
+            </a:r>
+            <a:r>
+              <a:rPr lang="zh-CN" altLang="en-US" b="0" i="0" dirty="0">
+                <a:solidFill>
+                  <a:srgbClr val="333333"/>
+                </a:solidFill>
+                <a:effectLst/>
+                <a:latin typeface="Microsoft YaHei" panose="020B0503020204020204" pitchFamily="34" charset="-122"/>
+                <a:ea typeface="Microsoft YaHei" panose="020B0503020204020204" pitchFamily="34" charset="-122"/>
+              </a:rPr>
+              <a:t>努力学习、勤勉工作，以高尚的道德情操和务实的求真精神，不断追求自我与他人，个人与社会的和谐发展。</a:t>
+            </a:r>
+            <a:endParaRPr lang="zh-CN" altLang="en-US" dirty="0"/>
+          </a:p>
+        </p:txBody>
+      </p:sp>
     </p:spTree>
     <p:extLst>
       <p:ext uri="{BB962C8B-B14F-4D97-AF65-F5344CB8AC3E}">
@@ -2890,6 +2992,41 @@
           </a:p>
         </p:txBody>
       </p:sp>
+      <p:sp>
+        <p:nvSpPr>
+          <p:cNvPr id="5" name="文本框 4">
+            <a:extLst>
+              <a:ext uri="{FF2B5EF4-FFF2-40B4-BE49-F238E27FC236}">
+                <a16:creationId xmlns:a16="http://schemas.microsoft.com/office/drawing/2014/main" id="{AE28FCCB-C6AF-46B1-B883-1E123A6384CF}"/>
+              </a:ext>
+            </a:extLst>
+          </p:cNvPr>
+          <p:cNvSpPr txBox="1"/>
+          <p:nvPr/>
+        </p:nvSpPr>
+        <p:spPr>
+          <a:xfrm>
+            <a:off x="842999" y="1764145"/>
+            <a:ext cx="4108817" cy="369332"/>
+          </a:xfrm>
+          <a:prstGeom prst="rect">
+            <a:avLst/>
+          </a:prstGeom>
+          <a:noFill/>
+        </p:spPr>
+        <p:txBody>
+          <a:bodyPr wrap="none" rtlCol="0">
+            <a:spAutoFit/>
+          </a:bodyPr>
+          <a:lstStyle/>
+          <a:p>
+            <a:r>
+              <a:rPr lang="zh-CN" altLang="en-US" dirty="0"/>
+              <a:t>工位背对背的过道过于狭窄不方便通过</a:t>
+            </a:r>
+          </a:p>
+        </p:txBody>
+      </p:sp>
     </p:spTree>
     <p:extLst>
       <p:ext uri="{BB962C8B-B14F-4D97-AF65-F5344CB8AC3E}">
@@ -3097,6 +3234,63 @@
           </a:p>
         </p:txBody>
       </p:sp>
+      <p:sp>
+        <p:nvSpPr>
+          <p:cNvPr id="5" name="文本框 4">
+            <a:extLst>
+              <a:ext uri="{FF2B5EF4-FFF2-40B4-BE49-F238E27FC236}">
+                <a16:creationId xmlns:a16="http://schemas.microsoft.com/office/drawing/2014/main" id="{501EA1C9-ECD3-4EB7-AE35-5503E675D087}"/>
+              </a:ext>
+            </a:extLst>
+          </p:cNvPr>
+          <p:cNvSpPr txBox="1"/>
+          <p:nvPr/>
+        </p:nvSpPr>
+        <p:spPr>
+          <a:xfrm>
+            <a:off x="842999" y="1911927"/>
+            <a:ext cx="3877985" cy="923330"/>
+          </a:xfrm>
+          <a:prstGeom prst="rect">
+            <a:avLst/>
+          </a:prstGeom>
+          <a:noFill/>
+        </p:spPr>
+        <p:txBody>
+          <a:bodyPr wrap="none" rtlCol="0">
+            <a:spAutoFit/>
+          </a:bodyPr>
+          <a:lstStyle/>
+          <a:p>
+            <a:r>
+              <a:rPr lang="zh-CN" altLang="en-US" dirty="0"/>
+              <a:t>学习</a:t>
+            </a:r>
+            <a:r>
+              <a:rPr lang="en-US" altLang="zh-CN" dirty="0"/>
+              <a:t>vue3.0</a:t>
+            </a:r>
+            <a:r>
+              <a:rPr lang="zh-CN" altLang="en-US" dirty="0"/>
+              <a:t>（看官方文档、视频）</a:t>
+            </a:r>
+            <a:endParaRPr lang="en-US" altLang="zh-CN" dirty="0"/>
+          </a:p>
+          <a:p>
+            <a:r>
+              <a:rPr lang="zh-CN" altLang="en-US" dirty="0"/>
+              <a:t>学习设计思想（看书、看底层）</a:t>
+            </a:r>
+            <a:endParaRPr lang="en-US" altLang="zh-CN" dirty="0"/>
+          </a:p>
+          <a:p>
+            <a:r>
+              <a:rPr lang="zh-CN" altLang="en-US" dirty="0"/>
+              <a:t>学习后台语言（看官方文档、视频）</a:t>
+            </a:r>
+          </a:p>
+        </p:txBody>
+      </p:sp>
     </p:spTree>
     <p:extLst>
       <p:ext uri="{BB962C8B-B14F-4D97-AF65-F5344CB8AC3E}">
@@ -3292,6 +3486,48 @@
             <a:r>
               <a:rPr lang="zh-CN" altLang="en-US" dirty="0"/>
               <a:t>、下一步工作规划：</a:t>
+            </a:r>
+          </a:p>
+        </p:txBody>
+      </p:sp>
+      <p:sp>
+        <p:nvSpPr>
+          <p:cNvPr id="5" name="文本框 4">
+            <a:extLst>
+              <a:ext uri="{FF2B5EF4-FFF2-40B4-BE49-F238E27FC236}">
+                <a16:creationId xmlns:a16="http://schemas.microsoft.com/office/drawing/2014/main" id="{38A62E63-A5F7-4F04-9341-1E6627410A8D}"/>
+              </a:ext>
+            </a:extLst>
+          </p:cNvPr>
+          <p:cNvSpPr txBox="1"/>
+          <p:nvPr/>
+        </p:nvSpPr>
+        <p:spPr>
+          <a:xfrm>
+            <a:off x="842999" y="1665253"/>
+            <a:ext cx="2492990" cy="646331"/>
+          </a:xfrm>
+          <a:prstGeom prst="rect">
+            <a:avLst/>
+          </a:prstGeom>
+          <a:noFill/>
+        </p:spPr>
+        <p:txBody>
+          <a:bodyPr wrap="none" rtlCol="0">
+            <a:spAutoFit/>
+          </a:bodyPr>
+          <a:lstStyle/>
+          <a:p>
+            <a:r>
+              <a:rPr lang="zh-CN" altLang="en-US" dirty="0"/>
+              <a:t>赶上后端接口开发速度</a:t>
+            </a:r>
+            <a:endParaRPr lang="en-US" altLang="zh-CN" dirty="0"/>
+          </a:p>
+          <a:p>
+            <a:r>
+              <a:rPr lang="zh-CN" altLang="en-US" dirty="0"/>
+              <a:t>代码优化，提升复用性</a:t>
             </a:r>
           </a:p>
         </p:txBody>
@@ -4631,6 +4867,56 @@
           </a:p>
         </p:txBody>
       </p:sp>
+      <p:sp>
+        <p:nvSpPr>
+          <p:cNvPr id="5" name="文本框 4">
+            <a:extLst>
+              <a:ext uri="{FF2B5EF4-FFF2-40B4-BE49-F238E27FC236}">
+                <a16:creationId xmlns:a16="http://schemas.microsoft.com/office/drawing/2014/main" id="{EC9F64DC-0477-46E0-B629-24D3C8874B43}"/>
+              </a:ext>
+            </a:extLst>
+          </p:cNvPr>
+          <p:cNvSpPr txBox="1"/>
+          <p:nvPr/>
+        </p:nvSpPr>
+        <p:spPr>
+          <a:xfrm>
+            <a:off x="707290" y="1426048"/>
+            <a:ext cx="5716062" cy="923330"/>
+          </a:xfrm>
+          <a:prstGeom prst="rect">
+            <a:avLst/>
+          </a:prstGeom>
+          <a:noFill/>
+        </p:spPr>
+        <p:txBody>
+          <a:bodyPr wrap="square" rtlCol="0">
+            <a:spAutoFit/>
+          </a:bodyPr>
+          <a:lstStyle/>
+          <a:p>
+            <a:r>
+              <a:rPr lang="zh-CN" altLang="en-US" dirty="0"/>
+              <a:t>工作岗位：信息中心平台开发前端工程师</a:t>
+            </a:r>
+            <a:endParaRPr lang="en-US" altLang="zh-CN" dirty="0"/>
+          </a:p>
+          <a:p>
+            <a:r>
+              <a:rPr lang="zh-CN" altLang="en-US" dirty="0"/>
+              <a:t>主要职责：根据产品原型，对接服务端数据接口，实现</a:t>
+            </a:r>
+            <a:r>
+              <a:rPr lang="en-US" altLang="zh-CN" dirty="0" err="1"/>
+              <a:t>cbs</a:t>
+            </a:r>
+            <a:r>
+              <a:rPr lang="zh-CN" altLang="en-US" dirty="0"/>
+              <a:t>业务平台前端界面的实现</a:t>
+            </a:r>
+          </a:p>
+        </p:txBody>
+      </p:sp>
     </p:spTree>
     <p:extLst>
       <p:ext uri="{BB962C8B-B14F-4D97-AF65-F5344CB8AC3E}">
@@ -4846,6 +5132,45 @@
           </a:p>
         </p:txBody>
       </p:sp>
+      <p:sp>
+        <p:nvSpPr>
+          <p:cNvPr id="6" name="文本框 5">
+            <a:extLst>
+              <a:ext uri="{FF2B5EF4-FFF2-40B4-BE49-F238E27FC236}">
+                <a16:creationId xmlns:a16="http://schemas.microsoft.com/office/drawing/2014/main" id="{19E931D7-2AEA-475A-923F-FD8F26D99876}"/>
+              </a:ext>
+            </a:extLst>
+          </p:cNvPr>
+          <p:cNvSpPr txBox="1"/>
+          <p:nvPr/>
+        </p:nvSpPr>
+        <p:spPr>
+          <a:xfrm>
+            <a:off x="842999" y="1801091"/>
+            <a:ext cx="5135188" cy="369332"/>
+          </a:xfrm>
+          <a:prstGeom prst="rect">
+            <a:avLst/>
+          </a:prstGeom>
+          <a:noFill/>
+        </p:spPr>
+        <p:txBody>
+          <a:bodyPr wrap="none" rtlCol="0">
+            <a:spAutoFit/>
+          </a:bodyPr>
+          <a:lstStyle/>
+          <a:p>
+            <a:r>
+              <a:rPr lang="en-US" altLang="zh-CN" dirty="0" err="1"/>
+              <a:t>Cbs</a:t>
+            </a:r>
+            <a:r>
+              <a:rPr lang="zh-CN" altLang="en-US" dirty="0"/>
+              <a:t>业务平台基础组件的封装、前三期需求的实现</a:t>
+            </a:r>
+          </a:p>
+        </p:txBody>
+      </p:sp>
     </p:spTree>
     <p:extLst>
       <p:ext uri="{BB962C8B-B14F-4D97-AF65-F5344CB8AC3E}">
@@ -5067,6 +5392,41 @@
           </a:p>
         </p:txBody>
       </p:sp>
+      <p:sp>
+        <p:nvSpPr>
+          <p:cNvPr id="4" name="文本框 3">
+            <a:extLst>
+              <a:ext uri="{FF2B5EF4-FFF2-40B4-BE49-F238E27FC236}">
+                <a16:creationId xmlns:a16="http://schemas.microsoft.com/office/drawing/2014/main" id="{5630E810-47F8-41B1-B033-47F79FCCB448}"/>
+              </a:ext>
+            </a:extLst>
+          </p:cNvPr>
+          <p:cNvSpPr txBox="1"/>
+          <p:nvPr/>
+        </p:nvSpPr>
+        <p:spPr>
+          <a:xfrm>
+            <a:off x="721453" y="1480587"/>
+            <a:ext cx="2492990" cy="369332"/>
+          </a:xfrm>
+          <a:prstGeom prst="rect">
+            <a:avLst/>
+          </a:prstGeom>
+          <a:noFill/>
+        </p:spPr>
+        <p:txBody>
+          <a:bodyPr wrap="none" rtlCol="0">
+            <a:spAutoFit/>
+          </a:bodyPr>
+          <a:lstStyle/>
+          <a:p>
+            <a:r>
+              <a:rPr lang="zh-CN" altLang="en-US" dirty="0"/>
+              <a:t>学习框架底层设计思想</a:t>
+            </a:r>
+          </a:p>
+        </p:txBody>
+      </p:sp>
     </p:spTree>
     <p:extLst>
       <p:ext uri="{BB962C8B-B14F-4D97-AF65-F5344CB8AC3E}">
@@ -5314,6 +5674,41 @@
           </a:p>
         </p:txBody>
       </p:sp>
+      <p:sp>
+        <p:nvSpPr>
+          <p:cNvPr id="5" name="文本框 4">
+            <a:extLst>
+              <a:ext uri="{FF2B5EF4-FFF2-40B4-BE49-F238E27FC236}">
+                <a16:creationId xmlns:a16="http://schemas.microsoft.com/office/drawing/2014/main" id="{340F7B6F-093F-42D0-9797-33E7FC0FA99E}"/>
+              </a:ext>
+            </a:extLst>
+          </p:cNvPr>
+          <p:cNvSpPr txBox="1"/>
+          <p:nvPr/>
+        </p:nvSpPr>
+        <p:spPr>
+          <a:xfrm>
+            <a:off x="842999" y="1598033"/>
+            <a:ext cx="2241946" cy="369332"/>
+          </a:xfrm>
+          <a:prstGeom prst="rect">
+            <a:avLst/>
+          </a:prstGeom>
+          <a:noFill/>
+        </p:spPr>
+        <p:txBody>
+          <a:bodyPr wrap="square" rtlCol="0">
+            <a:spAutoFit/>
+          </a:bodyPr>
+          <a:lstStyle/>
+          <a:p>
+            <a:r>
+              <a:rPr lang="zh-CN" altLang="en-US" dirty="0"/>
+              <a:t>平易近人、有耐心</a:t>
+            </a:r>
+          </a:p>
+        </p:txBody>
+      </p:sp>
     </p:spTree>
     <p:extLst>
       <p:ext uri="{BB962C8B-B14F-4D97-AF65-F5344CB8AC3E}">
@@ -5567,6 +5962,41 @@
           </a:p>
         </p:txBody>
       </p:sp>
+      <p:sp>
+        <p:nvSpPr>
+          <p:cNvPr id="4" name="文本框 3">
+            <a:extLst>
+              <a:ext uri="{FF2B5EF4-FFF2-40B4-BE49-F238E27FC236}">
+                <a16:creationId xmlns:a16="http://schemas.microsoft.com/office/drawing/2014/main" id="{53D74096-AF2B-4941-A91D-AECD95676293}"/>
+              </a:ext>
+            </a:extLst>
+          </p:cNvPr>
+          <p:cNvSpPr txBox="1"/>
+          <p:nvPr/>
+        </p:nvSpPr>
+        <p:spPr>
+          <a:xfrm>
+            <a:off x="721454" y="1483839"/>
+            <a:ext cx="1125820" cy="369332"/>
+          </a:xfrm>
+          <a:prstGeom prst="rect">
+            <a:avLst/>
+          </a:prstGeom>
+          <a:noFill/>
+        </p:spPr>
+        <p:txBody>
+          <a:bodyPr wrap="square" rtlCol="0">
+            <a:spAutoFit/>
+          </a:bodyPr>
+          <a:lstStyle/>
+          <a:p>
+            <a:r>
+              <a:rPr lang="zh-CN" altLang="en-US" dirty="0"/>
+              <a:t>不善言辞</a:t>
+            </a:r>
+          </a:p>
+        </p:txBody>
+      </p:sp>
     </p:spTree>
     <p:extLst>
       <p:ext uri="{BB962C8B-B14F-4D97-AF65-F5344CB8AC3E}">
@@ -5820,6 +6250,41 @@
           </a:p>
         </p:txBody>
       </p:sp>
+      <p:sp>
+        <p:nvSpPr>
+          <p:cNvPr id="4" name="文本框 3">
+            <a:extLst>
+              <a:ext uri="{FF2B5EF4-FFF2-40B4-BE49-F238E27FC236}">
+                <a16:creationId xmlns:a16="http://schemas.microsoft.com/office/drawing/2014/main" id="{022447EE-7925-4D6B-90EF-054D1C15529F}"/>
+              </a:ext>
+            </a:extLst>
+          </p:cNvPr>
+          <p:cNvSpPr txBox="1"/>
+          <p:nvPr/>
+        </p:nvSpPr>
+        <p:spPr>
+          <a:xfrm>
+            <a:off x="721453" y="1598033"/>
+            <a:ext cx="3877985" cy="369332"/>
+          </a:xfrm>
+          <a:prstGeom prst="rect">
+            <a:avLst/>
+          </a:prstGeom>
+          <a:noFill/>
+        </p:spPr>
+        <p:txBody>
+          <a:bodyPr wrap="none" rtlCol="0">
+            <a:spAutoFit/>
+          </a:bodyPr>
+          <a:lstStyle/>
+          <a:p>
+            <a:r>
+              <a:rPr lang="zh-CN" altLang="en-US" dirty="0"/>
+              <a:t>星光不问赶路人，时光不负有心人。</a:t>
+            </a:r>
+          </a:p>
+        </p:txBody>
+      </p:sp>
     </p:spTree>
     <p:extLst>
       <p:ext uri="{BB962C8B-B14F-4D97-AF65-F5344CB8AC3E}">
@@ -6031,6 +6496,41 @@
             <a:r>
               <a:rPr lang="zh-CN" altLang="en-US" dirty="0"/>
               <a:t>、工作心得：</a:t>
+            </a:r>
+          </a:p>
+        </p:txBody>
+      </p:sp>
+      <p:sp>
+        <p:nvSpPr>
+          <p:cNvPr id="6" name="文本框 5">
+            <a:extLst>
+              <a:ext uri="{FF2B5EF4-FFF2-40B4-BE49-F238E27FC236}">
+                <a16:creationId xmlns:a16="http://schemas.microsoft.com/office/drawing/2014/main" id="{700C3234-378A-40D2-87FA-4668E456BE3F}"/>
+              </a:ext>
+            </a:extLst>
+          </p:cNvPr>
+          <p:cNvSpPr txBox="1"/>
+          <p:nvPr/>
+        </p:nvSpPr>
+        <p:spPr>
+          <a:xfrm>
+            <a:off x="923636" y="1699491"/>
+            <a:ext cx="10572125" cy="369332"/>
+          </a:xfrm>
+          <a:prstGeom prst="rect">
+            <a:avLst/>
+          </a:prstGeom>
+          <a:noFill/>
+        </p:spPr>
+        <p:txBody>
+          <a:bodyPr wrap="none" rtlCol="0">
+            <a:spAutoFit/>
+          </a:bodyPr>
+          <a:lstStyle/>
+          <a:p>
+            <a:r>
+              <a:rPr lang="zh-CN" altLang="en-US" dirty="0"/>
+              <a:t>工作氛围浓厚，团队间经常探讨技术，有问题大家会一起想办法，同事间充满友爱，经常分享小零食。</a:t>
             </a:r>
           </a:p>
         </p:txBody>
